--- a/presentation/results.pptx
+++ b/presentation/results.pptx
@@ -123,6 +123,11 @@
       </a:defRPr>
     </a:lvl9pPr>
   </p:defaultTextStyle>
+  <p:extLst>
+    <p:ext uri="{EFAFB233-063F-42B5-8137-9DF3F51BA10A}">
+      <p15:sldGuideLst xmlns:p15="http://schemas.microsoft.com/office/powerpoint/2012/main"/>
+    </p:ext>
+  </p:extLst>
 </p:presentation>
 </file>
 
@@ -5481,7 +5486,7 @@
           <a:p>
             <a:r>
               <a:rPr lang="en-US" dirty="0"/>
-              <a:t>Converted acquired data into BIDS format.</a:t>
+              <a:t>Converted acquired data into the BIDS format.</a:t>
             </a:r>
           </a:p>
           <a:p>
@@ -5747,8 +5752,8 @@
           </a:p>
         </p:txBody>
       </p:sp>
-      <mc:AlternateContent xmlns:mc="http://schemas.openxmlformats.org/markup-compatibility/2006">
-        <mc:Choice xmlns:a14="http://schemas.microsoft.com/office/drawing/2010/main" Requires="a14">
+      <mc:AlternateContent xmlns:mc="http://schemas.openxmlformats.org/markup-compatibility/2006" xmlns:a14="http://schemas.microsoft.com/office/drawing/2010/main">
+        <mc:Choice Requires="a14">
           <p:sp>
             <p:nvSpPr>
               <p:cNvPr id="3" name="Content Placeholder 2">
@@ -6030,7 +6035,7 @@
             </p:txBody>
           </p:sp>
         </mc:Choice>
-        <mc:Fallback>
+        <mc:Fallback xmlns="">
           <p:sp>
             <p:nvSpPr>
               <p:cNvPr id="3" name="Content Placeholder 2">
@@ -6187,17 +6192,8 @@
                 </a14:m>
                 <a:r>
                   <a:rPr lang="en-US" dirty="0"/>
-                  <a:t>) of electrodes.</a:t>
+                  <a:t>) of electrodes:</a:t>
                 </a:r>
-              </a:p>
-              <a:p>
-                <a:r>
-                  <a:rPr lang="en-US" dirty="0"/>
-                  <a:t>For example, between the left and right hemisphere (interhemispheric strength). </a:t>
-                </a:r>
-                <a:endParaRPr lang="en-US" b="0" i="1" dirty="0">
-                  <a:latin typeface="Cambria Math" panose="02040503050406030204" pitchFamily="18" charset="0"/>
-                </a:endParaRPr>
               </a:p>
               <a:p>
                 <a:endParaRPr lang="en-US" b="0" i="1" dirty="0">
@@ -6465,6 +6461,18 @@
                     </m:r>
                   </m:oMath>
                 </a14:m>
+                <a:endParaRPr lang="en-US" dirty="0"/>
+              </a:p>
+              <a:p>
+                <a:r>
+                  <a:rPr lang="en-US" dirty="0"/>
+                  <a:t>For example, it can be used to measure strength between the left and right hemisphere (interhemispheric strength). </a:t>
+                </a:r>
+                <a:endParaRPr lang="en-US" b="0" i="1" dirty="0">
+                  <a:latin typeface="Cambria Math" panose="02040503050406030204" pitchFamily="18" charset="0"/>
+                </a:endParaRPr>
+              </a:p>
+              <a:p>
                 <a:endParaRPr lang="en-US" dirty="0"/>
               </a:p>
             </p:txBody>
